--- a/jupytorNotebooks/19-1_factorialImage.pptx
+++ b/jupytorNotebooks/19-1_factorialImage.pptx
@@ -5,7 +5,7 @@
     <p:sldMasterId id="2147483648" r:id="rId1"/>
   </p:sldMasterIdLst>
   <p:notesMasterIdLst>
-    <p:notesMasterId r:id="rId9"/>
+    <p:notesMasterId r:id="rId7"/>
   </p:notesMasterIdLst>
   <p:sldIdLst>
     <p:sldId id="256" r:id="rId2"/>
@@ -13,8 +13,6 @@
     <p:sldId id="258" r:id="rId4"/>
     <p:sldId id="262" r:id="rId5"/>
     <p:sldId id="259" r:id="rId6"/>
-    <p:sldId id="260" r:id="rId7"/>
-    <p:sldId id="261" r:id="rId8"/>
   </p:sldIdLst>
   <p:sldSz cx="12192000" cy="6858000"/>
   <p:notesSz cx="6858000" cy="9144000"/>
@@ -121,6 +119,34 @@
 </p:presentation>
 </file>
 
+<file path=ppt/changesInfos/changesInfo1.xml><?xml version="1.0" encoding="utf-8"?>
+<pc:chgInfo xmlns:a="http://schemas.openxmlformats.org/drawingml/2006/main" xmlns:r="http://schemas.openxmlformats.org/officeDocument/2006/relationships" xmlns:ac="http://schemas.microsoft.com/office/drawing/2013/main/command" xmlns:pc="http://schemas.microsoft.com/office/powerpoint/2013/main/command">
+  <pc:docChgLst>
+    <pc:chgData name="OH YOUNGJEA" userId="004085827990ef31" providerId="LiveId" clId="{34E3F6B7-8117-4704-8D54-7A2FEADEB8D4}"/>
+    <pc:docChg chg="delSld">
+      <pc:chgData name="OH YOUNGJEA" userId="004085827990ef31" providerId="LiveId" clId="{34E3F6B7-8117-4704-8D54-7A2FEADEB8D4}" dt="2020-05-20T07:10:17.242" v="1" actId="47"/>
+      <pc:docMkLst>
+        <pc:docMk/>
+      </pc:docMkLst>
+      <pc:sldChg chg="del">
+        <pc:chgData name="OH YOUNGJEA" userId="004085827990ef31" providerId="LiveId" clId="{34E3F6B7-8117-4704-8D54-7A2FEADEB8D4}" dt="2020-05-20T07:10:15.750" v="0" actId="47"/>
+        <pc:sldMkLst>
+          <pc:docMk/>
+          <pc:sldMk cId="1198793017" sldId="260"/>
+        </pc:sldMkLst>
+      </pc:sldChg>
+      <pc:sldChg chg="del">
+        <pc:chgData name="OH YOUNGJEA" userId="004085827990ef31" providerId="LiveId" clId="{34E3F6B7-8117-4704-8D54-7A2FEADEB8D4}" dt="2020-05-20T07:10:17.242" v="1" actId="47"/>
+        <pc:sldMkLst>
+          <pc:docMk/>
+          <pc:sldMk cId="818676266" sldId="261"/>
+        </pc:sldMkLst>
+      </pc:sldChg>
+    </pc:docChg>
+  </pc:docChgLst>
+</pc:chgInfo>
+</file>
+
 <file path=ppt/notesMasters/notesMaster1.xml><?xml version="1.0" encoding="utf-8"?>
 <p:notesMaster xmlns:a="http://schemas.openxmlformats.org/drawingml/2006/main" xmlns:r="http://schemas.openxmlformats.org/officeDocument/2006/relationships" xmlns:p="http://schemas.openxmlformats.org/presentationml/2006/main">
   <p:cSld>
@@ -203,7 +229,7 @@
           <a:p>
             <a:fld id="{1784957D-3E47-4E0D-BF55-3796FC8EE26C}" type="datetimeFigureOut">
               <a:rPr lang="ko-KR" altLang="en-US" smtClean="0"/>
-              <a:t>2019-11-06</a:t>
+              <a:t>2020-05-20</a:t>
             </a:fld>
             <a:endParaRPr lang="ko-KR" altLang="en-US"/>
           </a:p>
@@ -785,7 +811,7 @@
           <a:p>
             <a:fld id="{4DCFADE1-F913-403C-8F4E-58F503A740E5}" type="datetimeFigureOut">
               <a:rPr lang="ko-KR" altLang="en-US" smtClean="0"/>
-              <a:t>2019-11-06</a:t>
+              <a:t>2020-05-20</a:t>
             </a:fld>
             <a:endParaRPr lang="ko-KR" altLang="en-US"/>
           </a:p>
@@ -983,7 +1009,7 @@
           <a:p>
             <a:fld id="{4DCFADE1-F913-403C-8F4E-58F503A740E5}" type="datetimeFigureOut">
               <a:rPr lang="ko-KR" altLang="en-US" smtClean="0"/>
-              <a:t>2019-11-06</a:t>
+              <a:t>2020-05-20</a:t>
             </a:fld>
             <a:endParaRPr lang="ko-KR" altLang="en-US"/>
           </a:p>
@@ -1191,7 +1217,7 @@
           <a:p>
             <a:fld id="{4DCFADE1-F913-403C-8F4E-58F503A740E5}" type="datetimeFigureOut">
               <a:rPr lang="ko-KR" altLang="en-US" smtClean="0"/>
-              <a:t>2019-11-06</a:t>
+              <a:t>2020-05-20</a:t>
             </a:fld>
             <a:endParaRPr lang="ko-KR" altLang="en-US"/>
           </a:p>
@@ -1389,7 +1415,7 @@
           <a:p>
             <a:fld id="{4DCFADE1-F913-403C-8F4E-58F503A740E5}" type="datetimeFigureOut">
               <a:rPr lang="ko-KR" altLang="en-US" smtClean="0"/>
-              <a:t>2019-11-06</a:t>
+              <a:t>2020-05-20</a:t>
             </a:fld>
             <a:endParaRPr lang="ko-KR" altLang="en-US"/>
           </a:p>
@@ -1664,7 +1690,7 @@
           <a:p>
             <a:fld id="{4DCFADE1-F913-403C-8F4E-58F503A740E5}" type="datetimeFigureOut">
               <a:rPr lang="ko-KR" altLang="en-US" smtClean="0"/>
-              <a:t>2019-11-06</a:t>
+              <a:t>2020-05-20</a:t>
             </a:fld>
             <a:endParaRPr lang="ko-KR" altLang="en-US"/>
           </a:p>
@@ -1929,7 +1955,7 @@
           <a:p>
             <a:fld id="{4DCFADE1-F913-403C-8F4E-58F503A740E5}" type="datetimeFigureOut">
               <a:rPr lang="ko-KR" altLang="en-US" smtClean="0"/>
-              <a:t>2019-11-06</a:t>
+              <a:t>2020-05-20</a:t>
             </a:fld>
             <a:endParaRPr lang="ko-KR" altLang="en-US"/>
           </a:p>
@@ -2341,7 +2367,7 @@
           <a:p>
             <a:fld id="{4DCFADE1-F913-403C-8F4E-58F503A740E5}" type="datetimeFigureOut">
               <a:rPr lang="ko-KR" altLang="en-US" smtClean="0"/>
-              <a:t>2019-11-06</a:t>
+              <a:t>2020-05-20</a:t>
             </a:fld>
             <a:endParaRPr lang="ko-KR" altLang="en-US"/>
           </a:p>
@@ -2482,7 +2508,7 @@
           <a:p>
             <a:fld id="{4DCFADE1-F913-403C-8F4E-58F503A740E5}" type="datetimeFigureOut">
               <a:rPr lang="ko-KR" altLang="en-US" smtClean="0"/>
-              <a:t>2019-11-06</a:t>
+              <a:t>2020-05-20</a:t>
             </a:fld>
             <a:endParaRPr lang="ko-KR" altLang="en-US"/>
           </a:p>
@@ -2595,7 +2621,7 @@
           <a:p>
             <a:fld id="{4DCFADE1-F913-403C-8F4E-58F503A740E5}" type="datetimeFigureOut">
               <a:rPr lang="ko-KR" altLang="en-US" smtClean="0"/>
-              <a:t>2019-11-06</a:t>
+              <a:t>2020-05-20</a:t>
             </a:fld>
             <a:endParaRPr lang="ko-KR" altLang="en-US"/>
           </a:p>
@@ -2906,7 +2932,7 @@
           <a:p>
             <a:fld id="{4DCFADE1-F913-403C-8F4E-58F503A740E5}" type="datetimeFigureOut">
               <a:rPr lang="ko-KR" altLang="en-US" smtClean="0"/>
-              <a:t>2019-11-06</a:t>
+              <a:t>2020-05-20</a:t>
             </a:fld>
             <a:endParaRPr lang="ko-KR" altLang="en-US"/>
           </a:p>
@@ -3194,7 +3220,7 @@
           <a:p>
             <a:fld id="{4DCFADE1-F913-403C-8F4E-58F503A740E5}" type="datetimeFigureOut">
               <a:rPr lang="ko-KR" altLang="en-US" smtClean="0"/>
-              <a:t>2019-11-06</a:t>
+              <a:t>2020-05-20</a:t>
             </a:fld>
             <a:endParaRPr lang="ko-KR" altLang="en-US"/>
           </a:p>
@@ -3435,7 +3461,7 @@
           <a:p>
             <a:fld id="{4DCFADE1-F913-403C-8F4E-58F503A740E5}" type="datetimeFigureOut">
               <a:rPr lang="ko-KR" altLang="en-US" smtClean="0"/>
-              <a:t>2019-11-06</a:t>
+              <a:t>2020-05-20</a:t>
             </a:fld>
             <a:endParaRPr lang="ko-KR" altLang="en-US"/>
           </a:p>
@@ -9623,867 +9649,6 @@
 </p:sld>
 </file>
 
-<file path=ppt/slides/slide6.xml><?xml version="1.0" encoding="utf-8"?>
-<p:sld xmlns:a="http://schemas.openxmlformats.org/drawingml/2006/main" xmlns:r="http://schemas.openxmlformats.org/officeDocument/2006/relationships" xmlns:p="http://schemas.openxmlformats.org/presentationml/2006/main">
-  <p:cSld>
-    <p:spTree>
-      <p:nvGrpSpPr>
-        <p:cNvPr id="1" name=""/>
-        <p:cNvGrpSpPr/>
-        <p:nvPr/>
-      </p:nvGrpSpPr>
-      <p:grpSpPr>
-        <a:xfrm>
-          <a:off x="0" y="0"/>
-          <a:ext cx="0" cy="0"/>
-          <a:chOff x="0" y="0"/>
-          <a:chExt cx="0" cy="0"/>
-        </a:xfrm>
-      </p:grpSpPr>
-      <p:sp>
-        <p:nvSpPr>
-          <p:cNvPr id="2" name="제목 1">
-            <a:extLst>
-              <a:ext uri="{FF2B5EF4-FFF2-40B4-BE49-F238E27FC236}">
-                <a16:creationId xmlns:a16="http://schemas.microsoft.com/office/drawing/2014/main" id="{F28B3FD0-8C33-4C1D-96AF-9978AEF7BEEF}"/>
-              </a:ext>
-            </a:extLst>
-          </p:cNvPr>
-          <p:cNvSpPr>
-            <a:spLocks noGrp="1"/>
-          </p:cNvSpPr>
-          <p:nvPr>
-            <p:ph type="title"/>
-          </p:nvPr>
-        </p:nvSpPr>
-        <p:spPr>
-          <a:xfrm>
-            <a:off x="838200" y="365125"/>
-            <a:ext cx="10515600" cy="883383"/>
-          </a:xfrm>
-        </p:spPr>
-        <p:txBody>
-          <a:bodyPr/>
-          <a:lstStyle/>
-          <a:p>
-            <a:r>
-              <a:rPr lang="en-US" altLang="ko-KR" dirty="0"/>
-              <a:t>turtle</a:t>
-            </a:r>
-            <a:endParaRPr lang="ko-KR" altLang="en-US" dirty="0"/>
-          </a:p>
-        </p:txBody>
-      </p:sp>
-      <p:sp>
-        <p:nvSpPr>
-          <p:cNvPr id="3" name="내용 개체 틀 2">
-            <a:extLst>
-              <a:ext uri="{FF2B5EF4-FFF2-40B4-BE49-F238E27FC236}">
-                <a16:creationId xmlns:a16="http://schemas.microsoft.com/office/drawing/2014/main" id="{5505E553-B1A3-47E0-9F0E-35F26E0FF80D}"/>
-              </a:ext>
-            </a:extLst>
-          </p:cNvPr>
-          <p:cNvSpPr>
-            <a:spLocks noGrp="1"/>
-          </p:cNvSpPr>
-          <p:nvPr>
-            <p:ph idx="1"/>
-          </p:nvPr>
-        </p:nvSpPr>
-        <p:spPr>
-          <a:xfrm>
-            <a:off x="838200" y="1561857"/>
-            <a:ext cx="10515600" cy="4351338"/>
-          </a:xfrm>
-        </p:spPr>
-        <p:txBody>
-          <a:bodyPr>
-            <a:normAutofit fontScale="92500" lnSpcReduction="20000"/>
-          </a:bodyPr>
-          <a:lstStyle/>
-          <a:p>
-            <a:r>
-              <a:rPr lang="en-US" altLang="ko-KR" dirty="0"/>
-              <a:t>Turtle </a:t>
-            </a:r>
-            <a:r>
-              <a:rPr lang="ko-KR" altLang="en-US" dirty="0"/>
-              <a:t>객체의 최초 위치 </a:t>
-            </a:r>
-            <a:r>
-              <a:rPr lang="en-US" altLang="ko-KR" dirty="0"/>
-              <a:t>(0, 0)</a:t>
-            </a:r>
-          </a:p>
-          <a:p>
-            <a:r>
-              <a:rPr lang="ko-KR" altLang="en-US" dirty="0"/>
-              <a:t>최초 방향 </a:t>
-            </a:r>
-            <a:r>
-              <a:rPr lang="en-US" altLang="ko-KR" dirty="0"/>
-              <a:t>: right</a:t>
-            </a:r>
-          </a:p>
-          <a:p>
-            <a:r>
-              <a:rPr lang="ko-KR" altLang="en-US" dirty="0"/>
-              <a:t>최초 </a:t>
-            </a:r>
-            <a:r>
-              <a:rPr lang="en-US" altLang="ko-KR" dirty="0"/>
-              <a:t>pen </a:t>
-            </a:r>
-            <a:r>
-              <a:rPr lang="ko-KR" altLang="en-US" dirty="0"/>
-              <a:t>상태 </a:t>
-            </a:r>
-            <a:r>
-              <a:rPr lang="en-US" altLang="ko-KR" dirty="0"/>
-              <a:t>: down</a:t>
-            </a:r>
-            <a:br>
-              <a:rPr lang="en-US" altLang="ko-KR" dirty="0"/>
-            </a:br>
-            <a:endParaRPr lang="en-US" altLang="ko-KR" dirty="0"/>
-          </a:p>
-          <a:p>
-            <a:r>
-              <a:rPr lang="ko-KR" altLang="en-US" dirty="0"/>
-              <a:t>최초 </a:t>
-            </a:r>
-            <a:r>
-              <a:rPr lang="en-US" altLang="ko-KR" dirty="0"/>
-              <a:t>pen methods</a:t>
-            </a:r>
-            <a:r>
-              <a:rPr lang="ko-KR" altLang="en-US" dirty="0"/>
-              <a:t> </a:t>
-            </a:r>
-            <a:endParaRPr lang="en-US" altLang="ko-KR" dirty="0"/>
-          </a:p>
-          <a:p>
-            <a:pPr lvl="1"/>
-            <a:r>
-              <a:rPr lang="en-US" altLang="ko-KR" dirty="0" err="1"/>
-              <a:t>penup</a:t>
-            </a:r>
-            <a:r>
-              <a:rPr lang="en-US" altLang="ko-KR" dirty="0"/>
-              <a:t>()</a:t>
-            </a:r>
-          </a:p>
-          <a:p>
-            <a:pPr lvl="1"/>
-            <a:r>
-              <a:rPr lang="en-US" altLang="ko-KR" dirty="0" err="1"/>
-              <a:t>pendown</a:t>
-            </a:r>
-            <a:r>
-              <a:rPr lang="en-US" altLang="ko-KR" dirty="0"/>
-              <a:t>()</a:t>
-            </a:r>
-          </a:p>
-          <a:p>
-            <a:pPr lvl="1"/>
-            <a:r>
-              <a:rPr lang="en-US" altLang="ko-KR" dirty="0" err="1"/>
-              <a:t>pensize</a:t>
-            </a:r>
-            <a:r>
-              <a:rPr lang="en-US" altLang="ko-KR" dirty="0"/>
-              <a:t>()</a:t>
-            </a:r>
-            <a:br>
-              <a:rPr lang="en-US" altLang="ko-KR" dirty="0"/>
-            </a:br>
-            <a:endParaRPr lang="en-US" altLang="ko-KR" dirty="0"/>
-          </a:p>
-          <a:p>
-            <a:r>
-              <a:rPr lang="ko-KR" altLang="en-US" dirty="0"/>
-              <a:t>주요 </a:t>
-            </a:r>
-            <a:r>
-              <a:rPr lang="en-US" altLang="ko-KR" dirty="0"/>
-              <a:t>methods</a:t>
-            </a:r>
-          </a:p>
-          <a:p>
-            <a:pPr lvl="1"/>
-            <a:r>
-              <a:rPr lang="en-US" altLang="ko-KR" dirty="0"/>
-              <a:t>forward(distance), right(angle), left(angle), </a:t>
-            </a:r>
-            <a:r>
-              <a:rPr lang="en-US" altLang="ko-KR" dirty="0" err="1"/>
-              <a:t>goto</a:t>
-            </a:r>
-            <a:r>
-              <a:rPr lang="en-US" altLang="ko-KR" dirty="0"/>
-              <a:t>(x, y), circle(radius)</a:t>
-            </a:r>
-          </a:p>
-          <a:p>
-            <a:pPr lvl="1"/>
-            <a:r>
-              <a:rPr lang="en-US" altLang="ko-KR" dirty="0"/>
-              <a:t>speed(s) </a:t>
-            </a:r>
-          </a:p>
-          <a:p>
-            <a:pPr lvl="1"/>
-            <a:r>
-              <a:rPr lang="en-US" altLang="ko-KR" dirty="0"/>
-              <a:t>done() - </a:t>
-            </a:r>
-            <a:r>
-              <a:rPr lang="ko-KR" altLang="en-US" dirty="0"/>
-              <a:t>일시정지</a:t>
-            </a:r>
-            <a:endParaRPr lang="en-US" altLang="ko-KR" dirty="0"/>
-          </a:p>
-        </p:txBody>
-      </p:sp>
-    </p:spTree>
-    <p:extLst>
-      <p:ext uri="{BB962C8B-B14F-4D97-AF65-F5344CB8AC3E}">
-        <p14:creationId xmlns:p14="http://schemas.microsoft.com/office/powerpoint/2010/main" val="1198793017"/>
-      </p:ext>
-    </p:extLst>
-  </p:cSld>
-  <p:clrMapOvr>
-    <a:masterClrMapping/>
-  </p:clrMapOvr>
-</p:sld>
-</file>
-
-<file path=ppt/slides/slide7.xml><?xml version="1.0" encoding="utf-8"?>
-<p:sld xmlns:a="http://schemas.openxmlformats.org/drawingml/2006/main" xmlns:r="http://schemas.openxmlformats.org/officeDocument/2006/relationships" xmlns:p="http://schemas.openxmlformats.org/presentationml/2006/main">
-  <p:cSld>
-    <p:spTree>
-      <p:nvGrpSpPr>
-        <p:cNvPr id="1" name=""/>
-        <p:cNvGrpSpPr/>
-        <p:nvPr/>
-      </p:nvGrpSpPr>
-      <p:grpSpPr>
-        <a:xfrm>
-          <a:off x="0" y="0"/>
-          <a:ext cx="0" cy="0"/>
-          <a:chOff x="0" y="0"/>
-          <a:chExt cx="0" cy="0"/>
-        </a:xfrm>
-      </p:grpSpPr>
-      <p:pic>
-        <p:nvPicPr>
-          <p:cNvPr id="6" name="그림 5">
-            <a:extLst>
-              <a:ext uri="{FF2B5EF4-FFF2-40B4-BE49-F238E27FC236}">
-                <a16:creationId xmlns:a16="http://schemas.microsoft.com/office/drawing/2014/main" id="{0D2F0813-80FD-49F9-9D55-E9952514D442}"/>
-              </a:ext>
-            </a:extLst>
-          </p:cNvPr>
-          <p:cNvPicPr>
-            <a:picLocks noChangeAspect="1"/>
-          </p:cNvPicPr>
-          <p:nvPr/>
-        </p:nvPicPr>
-        <p:blipFill>
-          <a:blip r:embed="rId2"/>
-          <a:stretch>
-            <a:fillRect/>
-          </a:stretch>
-        </p:blipFill>
-        <p:spPr>
-          <a:xfrm>
-            <a:off x="986935" y="68873"/>
-            <a:ext cx="4038600" cy="2971800"/>
-          </a:xfrm>
-          <a:prstGeom prst="rect">
-            <a:avLst/>
-          </a:prstGeom>
-        </p:spPr>
-      </p:pic>
-      <p:pic>
-        <p:nvPicPr>
-          <p:cNvPr id="7" name="그림 6">
-            <a:extLst>
-              <a:ext uri="{FF2B5EF4-FFF2-40B4-BE49-F238E27FC236}">
-                <a16:creationId xmlns:a16="http://schemas.microsoft.com/office/drawing/2014/main" id="{5A0A29F6-5F92-4E7B-83BF-A0765FF8ABEC}"/>
-              </a:ext>
-            </a:extLst>
-          </p:cNvPr>
-          <p:cNvPicPr>
-            <a:picLocks noChangeAspect="1"/>
-          </p:cNvPicPr>
-          <p:nvPr/>
-        </p:nvPicPr>
-        <p:blipFill>
-          <a:blip r:embed="rId3"/>
-          <a:stretch>
-            <a:fillRect/>
-          </a:stretch>
-        </p:blipFill>
-        <p:spPr>
-          <a:xfrm>
-            <a:off x="767188" y="3625132"/>
-            <a:ext cx="4520958" cy="2847242"/>
-          </a:xfrm>
-          <a:prstGeom prst="rect">
-            <a:avLst/>
-          </a:prstGeom>
-        </p:spPr>
-      </p:pic>
-      <p:pic>
-        <p:nvPicPr>
-          <p:cNvPr id="8" name="그림 7">
-            <a:extLst>
-              <a:ext uri="{FF2B5EF4-FFF2-40B4-BE49-F238E27FC236}">
-                <a16:creationId xmlns:a16="http://schemas.microsoft.com/office/drawing/2014/main" id="{2E122A8D-881E-4B6A-9EEC-F65398BFDEB4}"/>
-              </a:ext>
-            </a:extLst>
-          </p:cNvPr>
-          <p:cNvPicPr>
-            <a:picLocks noChangeAspect="1"/>
-          </p:cNvPicPr>
-          <p:nvPr/>
-        </p:nvPicPr>
-        <p:blipFill>
-          <a:blip r:embed="rId4"/>
-          <a:stretch>
-            <a:fillRect/>
-          </a:stretch>
-        </p:blipFill>
-        <p:spPr>
-          <a:xfrm>
-            <a:off x="5662245" y="1130431"/>
-            <a:ext cx="6346985" cy="4831141"/>
-          </a:xfrm>
-          <a:prstGeom prst="rect">
-            <a:avLst/>
-          </a:prstGeom>
-        </p:spPr>
-      </p:pic>
-      <p:pic>
-        <p:nvPicPr>
-          <p:cNvPr id="9" name="그림 8">
-            <a:extLst>
-              <a:ext uri="{FF2B5EF4-FFF2-40B4-BE49-F238E27FC236}">
-                <a16:creationId xmlns:a16="http://schemas.microsoft.com/office/drawing/2014/main" id="{21FCFFBE-2AEA-412F-A847-CF3B92249DE2}"/>
-              </a:ext>
-            </a:extLst>
-          </p:cNvPr>
-          <p:cNvPicPr>
-            <a:picLocks noChangeAspect="1"/>
-          </p:cNvPicPr>
-          <p:nvPr/>
-        </p:nvPicPr>
-        <p:blipFill>
-          <a:blip r:embed="rId5"/>
-          <a:stretch>
-            <a:fillRect/>
-          </a:stretch>
-        </p:blipFill>
-        <p:spPr>
-          <a:xfrm>
-            <a:off x="4467285" y="3063386"/>
-            <a:ext cx="1019175" cy="342900"/>
-          </a:xfrm>
-          <a:prstGeom prst="rect">
-            <a:avLst/>
-          </a:prstGeom>
-        </p:spPr>
-      </p:pic>
-      <p:pic>
-        <p:nvPicPr>
-          <p:cNvPr id="10" name="그림 9">
-            <a:extLst>
-              <a:ext uri="{FF2B5EF4-FFF2-40B4-BE49-F238E27FC236}">
-                <a16:creationId xmlns:a16="http://schemas.microsoft.com/office/drawing/2014/main" id="{FC966CDE-A432-4D1A-B054-5B043F0562E5}"/>
-              </a:ext>
-            </a:extLst>
-          </p:cNvPr>
-          <p:cNvPicPr>
-            <a:picLocks noChangeAspect="1"/>
-          </p:cNvPicPr>
-          <p:nvPr/>
-        </p:nvPicPr>
-        <p:blipFill>
-          <a:blip r:embed="rId6"/>
-          <a:stretch>
-            <a:fillRect/>
-          </a:stretch>
-        </p:blipFill>
-        <p:spPr>
-          <a:xfrm>
-            <a:off x="2349377" y="68873"/>
-            <a:ext cx="1514475" cy="371475"/>
-          </a:xfrm>
-          <a:prstGeom prst="rect">
-            <a:avLst/>
-          </a:prstGeom>
-        </p:spPr>
-      </p:pic>
-      <p:pic>
-        <p:nvPicPr>
-          <p:cNvPr id="11" name="그림 10">
-            <a:extLst>
-              <a:ext uri="{FF2B5EF4-FFF2-40B4-BE49-F238E27FC236}">
-                <a16:creationId xmlns:a16="http://schemas.microsoft.com/office/drawing/2014/main" id="{F2EC340E-3787-447B-A63C-AD3C6B92666D}"/>
-              </a:ext>
-            </a:extLst>
-          </p:cNvPr>
-          <p:cNvPicPr>
-            <a:picLocks noChangeAspect="1"/>
-          </p:cNvPicPr>
-          <p:nvPr/>
-        </p:nvPicPr>
-        <p:blipFill>
-          <a:blip r:embed="rId7"/>
-          <a:stretch>
-            <a:fillRect/>
-          </a:stretch>
-        </p:blipFill>
-        <p:spPr>
-          <a:xfrm>
-            <a:off x="86151" y="2987186"/>
-            <a:ext cx="1362075" cy="419100"/>
-          </a:xfrm>
-          <a:prstGeom prst="rect">
-            <a:avLst/>
-          </a:prstGeom>
-        </p:spPr>
-      </p:pic>
-      <p:sp>
-        <p:nvSpPr>
-          <p:cNvPr id="12" name="사각형: 둥근 모서리 11">
-            <a:extLst>
-              <a:ext uri="{FF2B5EF4-FFF2-40B4-BE49-F238E27FC236}">
-                <a16:creationId xmlns:a16="http://schemas.microsoft.com/office/drawing/2014/main" id="{5618C0BD-57ED-4A4D-8FED-B24F0A4E580F}"/>
-              </a:ext>
-            </a:extLst>
-          </p:cNvPr>
-          <p:cNvSpPr/>
-          <p:nvPr/>
-        </p:nvSpPr>
-        <p:spPr>
-          <a:xfrm>
-            <a:off x="1107831" y="4158762"/>
-            <a:ext cx="4180315" cy="342900"/>
-          </a:xfrm>
-          <a:prstGeom prst="roundRect">
-            <a:avLst/>
-          </a:prstGeom>
-          <a:noFill/>
-          <a:ln w="28575">
-            <a:solidFill>
-              <a:srgbClr val="FF0000"/>
-            </a:solidFill>
-          </a:ln>
-        </p:spPr>
-        <p:style>
-          <a:lnRef idx="2">
-            <a:schemeClr val="accent1">
-              <a:shade val="50000"/>
-            </a:schemeClr>
-          </a:lnRef>
-          <a:fillRef idx="1">
-            <a:schemeClr val="accent1"/>
-          </a:fillRef>
-          <a:effectRef idx="0">
-            <a:schemeClr val="accent1"/>
-          </a:effectRef>
-          <a:fontRef idx="minor">
-            <a:schemeClr val="lt1"/>
-          </a:fontRef>
-        </p:style>
-        <p:txBody>
-          <a:bodyPr rtlCol="0" anchor="ctr"/>
-          <a:lstStyle/>
-          <a:p>
-            <a:pPr algn="ctr"/>
-            <a:endParaRPr lang="ko-KR" altLang="en-US"/>
-          </a:p>
-        </p:txBody>
-      </p:sp>
-      <p:sp>
-        <p:nvSpPr>
-          <p:cNvPr id="13" name="사각형: 둥근 모서리 12">
-            <a:extLst>
-              <a:ext uri="{FF2B5EF4-FFF2-40B4-BE49-F238E27FC236}">
-                <a16:creationId xmlns:a16="http://schemas.microsoft.com/office/drawing/2014/main" id="{16FB48CE-74D4-4CC3-9E8A-DA27F448E10F}"/>
-              </a:ext>
-            </a:extLst>
-          </p:cNvPr>
-          <p:cNvSpPr/>
-          <p:nvPr/>
-        </p:nvSpPr>
-        <p:spPr>
-          <a:xfrm>
-            <a:off x="1110764" y="4996962"/>
-            <a:ext cx="4180315" cy="342900"/>
-          </a:xfrm>
-          <a:prstGeom prst="roundRect">
-            <a:avLst/>
-          </a:prstGeom>
-          <a:noFill/>
-          <a:ln w="28575">
-            <a:solidFill>
-              <a:srgbClr val="FF0000"/>
-            </a:solidFill>
-          </a:ln>
-        </p:spPr>
-        <p:style>
-          <a:lnRef idx="2">
-            <a:schemeClr val="accent1">
-              <a:shade val="50000"/>
-            </a:schemeClr>
-          </a:lnRef>
-          <a:fillRef idx="1">
-            <a:schemeClr val="accent1"/>
-          </a:fillRef>
-          <a:effectRef idx="0">
-            <a:schemeClr val="accent1"/>
-          </a:effectRef>
-          <a:fontRef idx="minor">
-            <a:schemeClr val="lt1"/>
-          </a:fontRef>
-        </p:style>
-        <p:txBody>
-          <a:bodyPr rtlCol="0" anchor="ctr"/>
-          <a:lstStyle/>
-          <a:p>
-            <a:pPr algn="ctr"/>
-            <a:endParaRPr lang="ko-KR" altLang="en-US"/>
-          </a:p>
-        </p:txBody>
-      </p:sp>
-      <p:sp>
-        <p:nvSpPr>
-          <p:cNvPr id="14" name="사각형: 둥근 모서리 13">
-            <a:extLst>
-              <a:ext uri="{FF2B5EF4-FFF2-40B4-BE49-F238E27FC236}">
-                <a16:creationId xmlns:a16="http://schemas.microsoft.com/office/drawing/2014/main" id="{B73C713C-97FA-45E3-81AC-947D1E5FC176}"/>
-              </a:ext>
-            </a:extLst>
-          </p:cNvPr>
-          <p:cNvSpPr/>
-          <p:nvPr/>
-        </p:nvSpPr>
-        <p:spPr>
-          <a:xfrm>
-            <a:off x="1110762" y="5558708"/>
-            <a:ext cx="4180315" cy="291108"/>
-          </a:xfrm>
-          <a:prstGeom prst="roundRect">
-            <a:avLst/>
-          </a:prstGeom>
-          <a:noFill/>
-          <a:ln w="28575">
-            <a:solidFill>
-              <a:srgbClr val="FF0000"/>
-            </a:solidFill>
-          </a:ln>
-        </p:spPr>
-        <p:style>
-          <a:lnRef idx="2">
-            <a:schemeClr val="accent1">
-              <a:shade val="50000"/>
-            </a:schemeClr>
-          </a:lnRef>
-          <a:fillRef idx="1">
-            <a:schemeClr val="accent1"/>
-          </a:fillRef>
-          <a:effectRef idx="0">
-            <a:schemeClr val="accent1"/>
-          </a:effectRef>
-          <a:fontRef idx="minor">
-            <a:schemeClr val="lt1"/>
-          </a:fontRef>
-        </p:style>
-        <p:txBody>
-          <a:bodyPr rtlCol="0" anchor="ctr"/>
-          <a:lstStyle/>
-          <a:p>
-            <a:pPr algn="ctr"/>
-            <a:endParaRPr lang="ko-KR" altLang="en-US"/>
-          </a:p>
-        </p:txBody>
-      </p:sp>
-      <p:sp>
-        <p:nvSpPr>
-          <p:cNvPr id="15" name="사각형: 둥근 모서리 14">
-            <a:extLst>
-              <a:ext uri="{FF2B5EF4-FFF2-40B4-BE49-F238E27FC236}">
-                <a16:creationId xmlns:a16="http://schemas.microsoft.com/office/drawing/2014/main" id="{B010F6D4-D69F-4573-8331-640A4DC6A3C7}"/>
-              </a:ext>
-            </a:extLst>
-          </p:cNvPr>
-          <p:cNvSpPr/>
-          <p:nvPr/>
-        </p:nvSpPr>
-        <p:spPr>
-          <a:xfrm>
-            <a:off x="1110762" y="6104793"/>
-            <a:ext cx="4180315" cy="342900"/>
-          </a:xfrm>
-          <a:prstGeom prst="roundRect">
-            <a:avLst/>
-          </a:prstGeom>
-          <a:noFill/>
-          <a:ln w="28575">
-            <a:solidFill>
-              <a:srgbClr val="FF0000"/>
-            </a:solidFill>
-          </a:ln>
-        </p:spPr>
-        <p:style>
-          <a:lnRef idx="2">
-            <a:schemeClr val="accent1">
-              <a:shade val="50000"/>
-            </a:schemeClr>
-          </a:lnRef>
-          <a:fillRef idx="1">
-            <a:schemeClr val="accent1"/>
-          </a:fillRef>
-          <a:effectRef idx="0">
-            <a:schemeClr val="accent1"/>
-          </a:effectRef>
-          <a:fontRef idx="minor">
-            <a:schemeClr val="lt1"/>
-          </a:fontRef>
-        </p:style>
-        <p:txBody>
-          <a:bodyPr rtlCol="0" anchor="ctr"/>
-          <a:lstStyle/>
-          <a:p>
-            <a:pPr algn="ctr"/>
-            <a:endParaRPr lang="ko-KR" altLang="en-US"/>
-          </a:p>
-        </p:txBody>
-      </p:sp>
-      <p:sp>
-        <p:nvSpPr>
-          <p:cNvPr id="16" name="사각형: 둥근 모서리 15">
-            <a:extLst>
-              <a:ext uri="{FF2B5EF4-FFF2-40B4-BE49-F238E27FC236}">
-                <a16:creationId xmlns:a16="http://schemas.microsoft.com/office/drawing/2014/main" id="{28301971-BFED-4CCA-81D6-1106ACABCA88}"/>
-              </a:ext>
-            </a:extLst>
-          </p:cNvPr>
-          <p:cNvSpPr/>
-          <p:nvPr/>
-        </p:nvSpPr>
-        <p:spPr>
-          <a:xfrm>
-            <a:off x="6096000" y="2004646"/>
-            <a:ext cx="2441331" cy="298939"/>
-          </a:xfrm>
-          <a:prstGeom prst="roundRect">
-            <a:avLst/>
-          </a:prstGeom>
-          <a:noFill/>
-          <a:ln w="38100">
-            <a:solidFill>
-              <a:srgbClr val="FF0000"/>
-            </a:solidFill>
-          </a:ln>
-        </p:spPr>
-        <p:style>
-          <a:lnRef idx="2">
-            <a:schemeClr val="accent1">
-              <a:shade val="50000"/>
-            </a:schemeClr>
-          </a:lnRef>
-          <a:fillRef idx="1">
-            <a:schemeClr val="accent1"/>
-          </a:fillRef>
-          <a:effectRef idx="0">
-            <a:schemeClr val="accent1"/>
-          </a:effectRef>
-          <a:fontRef idx="minor">
-            <a:schemeClr val="lt1"/>
-          </a:fontRef>
-        </p:style>
-        <p:txBody>
-          <a:bodyPr rtlCol="0" anchor="ctr"/>
-          <a:lstStyle/>
-          <a:p>
-            <a:pPr algn="ctr"/>
-            <a:endParaRPr lang="ko-KR" altLang="en-US"/>
-          </a:p>
-        </p:txBody>
-      </p:sp>
-      <p:sp>
-        <p:nvSpPr>
-          <p:cNvPr id="17" name="사각형: 둥근 모서리 16">
-            <a:extLst>
-              <a:ext uri="{FF2B5EF4-FFF2-40B4-BE49-F238E27FC236}">
-                <a16:creationId xmlns:a16="http://schemas.microsoft.com/office/drawing/2014/main" id="{2AECA271-EA1A-4BBF-AD8C-CF912B976F7F}"/>
-              </a:ext>
-            </a:extLst>
-          </p:cNvPr>
-          <p:cNvSpPr/>
-          <p:nvPr/>
-        </p:nvSpPr>
-        <p:spPr>
-          <a:xfrm>
-            <a:off x="6486525" y="2876550"/>
-            <a:ext cx="1247775" cy="282200"/>
-          </a:xfrm>
-          <a:prstGeom prst="roundRect">
-            <a:avLst/>
-          </a:prstGeom>
-          <a:noFill/>
-          <a:ln w="34925">
-            <a:solidFill>
-              <a:srgbClr val="FF0000"/>
-            </a:solidFill>
-          </a:ln>
-        </p:spPr>
-        <p:style>
-          <a:lnRef idx="2">
-            <a:schemeClr val="accent1">
-              <a:shade val="50000"/>
-            </a:schemeClr>
-          </a:lnRef>
-          <a:fillRef idx="1">
-            <a:schemeClr val="accent1"/>
-          </a:fillRef>
-          <a:effectRef idx="0">
-            <a:schemeClr val="accent1"/>
-          </a:effectRef>
-          <a:fontRef idx="minor">
-            <a:schemeClr val="lt1"/>
-          </a:fontRef>
-        </p:style>
-        <p:txBody>
-          <a:bodyPr rtlCol="0" anchor="ctr"/>
-          <a:lstStyle/>
-          <a:p>
-            <a:pPr algn="ctr"/>
-            <a:endParaRPr lang="ko-KR" altLang="en-US"/>
-          </a:p>
-        </p:txBody>
-      </p:sp>
-      <p:sp>
-        <p:nvSpPr>
-          <p:cNvPr id="18" name="사각형: 둥근 모서리 17">
-            <a:extLst>
-              <a:ext uri="{FF2B5EF4-FFF2-40B4-BE49-F238E27FC236}">
-                <a16:creationId xmlns:a16="http://schemas.microsoft.com/office/drawing/2014/main" id="{6DFA4488-706C-4ABB-835B-21D7C08AEF7A}"/>
-              </a:ext>
-            </a:extLst>
-          </p:cNvPr>
-          <p:cNvSpPr/>
-          <p:nvPr/>
-        </p:nvSpPr>
-        <p:spPr>
-          <a:xfrm>
-            <a:off x="6524625" y="3676650"/>
-            <a:ext cx="1209675" cy="282200"/>
-          </a:xfrm>
-          <a:prstGeom prst="roundRect">
-            <a:avLst/>
-          </a:prstGeom>
-          <a:noFill/>
-          <a:ln w="34925">
-            <a:solidFill>
-              <a:srgbClr val="FF0000"/>
-            </a:solidFill>
-          </a:ln>
-        </p:spPr>
-        <p:style>
-          <a:lnRef idx="2">
-            <a:schemeClr val="accent1">
-              <a:shade val="50000"/>
-            </a:schemeClr>
-          </a:lnRef>
-          <a:fillRef idx="1">
-            <a:schemeClr val="accent1"/>
-          </a:fillRef>
-          <a:effectRef idx="0">
-            <a:schemeClr val="accent1"/>
-          </a:effectRef>
-          <a:fontRef idx="minor">
-            <a:schemeClr val="lt1"/>
-          </a:fontRef>
-        </p:style>
-        <p:txBody>
-          <a:bodyPr rtlCol="0" anchor="ctr"/>
-          <a:lstStyle/>
-          <a:p>
-            <a:pPr algn="ctr"/>
-            <a:endParaRPr lang="ko-KR" altLang="en-US"/>
-          </a:p>
-        </p:txBody>
-      </p:sp>
-      <p:sp>
-        <p:nvSpPr>
-          <p:cNvPr id="19" name="사각형: 둥근 모서리 18">
-            <a:extLst>
-              <a:ext uri="{FF2B5EF4-FFF2-40B4-BE49-F238E27FC236}">
-                <a16:creationId xmlns:a16="http://schemas.microsoft.com/office/drawing/2014/main" id="{378BA010-C9E0-4952-881E-25B0D4481834}"/>
-              </a:ext>
-            </a:extLst>
-          </p:cNvPr>
-          <p:cNvSpPr/>
-          <p:nvPr/>
-        </p:nvSpPr>
-        <p:spPr>
-          <a:xfrm>
-            <a:off x="6534150" y="4524375"/>
-            <a:ext cx="1209675" cy="282200"/>
-          </a:xfrm>
-          <a:prstGeom prst="roundRect">
-            <a:avLst/>
-          </a:prstGeom>
-          <a:noFill/>
-          <a:ln w="34925">
-            <a:solidFill>
-              <a:srgbClr val="FF0000"/>
-            </a:solidFill>
-          </a:ln>
-        </p:spPr>
-        <p:style>
-          <a:lnRef idx="2">
-            <a:schemeClr val="accent1">
-              <a:shade val="50000"/>
-            </a:schemeClr>
-          </a:lnRef>
-          <a:fillRef idx="1">
-            <a:schemeClr val="accent1"/>
-          </a:fillRef>
-          <a:effectRef idx="0">
-            <a:schemeClr val="accent1"/>
-          </a:effectRef>
-          <a:fontRef idx="minor">
-            <a:schemeClr val="lt1"/>
-          </a:fontRef>
-        </p:style>
-        <p:txBody>
-          <a:bodyPr rtlCol="0" anchor="ctr"/>
-          <a:lstStyle/>
-          <a:p>
-            <a:pPr algn="ctr"/>
-            <a:endParaRPr lang="ko-KR" altLang="en-US"/>
-          </a:p>
-        </p:txBody>
-      </p:sp>
-    </p:spTree>
-    <p:extLst>
-      <p:ext uri="{BB962C8B-B14F-4D97-AF65-F5344CB8AC3E}">
-        <p14:creationId xmlns:p14="http://schemas.microsoft.com/office/powerpoint/2010/main" val="818676266"/>
-      </p:ext>
-    </p:extLst>
-  </p:cSld>
-  <p:clrMapOvr>
-    <a:masterClrMapping/>
-  </p:clrMapOvr>
-</p:sld>
-</file>
-
 <file path=ppt/theme/theme1.xml><?xml version="1.0" encoding="utf-8"?>
 <a:theme xmlns:a="http://schemas.openxmlformats.org/drawingml/2006/main" name="Office 테마">
   <a:themeElements>
